--- a/16. DFD Essencial para cada Capacidade.pptx
+++ b/16. DFD Essencial para cada Capacidade.pptx
@@ -3360,19 +3360,55 @@
               </a:ext>
             </a:extLst>
           </a:blip>
-          <a:srcRect/>
+          <a:srcRect t="7951"/>
           <a:stretch/>
         </p:blipFill>
         <p:spPr>
           <a:xfrm>
-            <a:off x="0" y="0"/>
-            <a:ext cx="12192000" cy="6858000"/>
+            <a:off x="0" y="545284"/>
+            <a:ext cx="12192000" cy="6312716"/>
           </a:xfrm>
           <a:prstGeom prst="rect">
             <a:avLst/>
           </a:prstGeom>
         </p:spPr>
       </p:pic>
+      <p:sp>
+        <p:nvSpPr>
+          <p:cNvPr id="3" name="CaixaDeTexto 2">
+            <a:extLst>
+              <a:ext uri="{FF2B5EF4-FFF2-40B4-BE49-F238E27FC236}">
+                <a16:creationId xmlns:a16="http://schemas.microsoft.com/office/drawing/2014/main" id="{7A7A2B10-B11F-45B6-AD55-8A6F57D3C4B0}"/>
+              </a:ext>
+            </a:extLst>
+          </p:cNvPr>
+          <p:cNvSpPr txBox="1"/>
+          <p:nvPr/>
+        </p:nvSpPr>
+        <p:spPr>
+          <a:xfrm>
+            <a:off x="0" y="96816"/>
+            <a:ext cx="12192000" cy="461665"/>
+          </a:xfrm>
+          <a:prstGeom prst="rect">
+            <a:avLst/>
+          </a:prstGeom>
+          <a:noFill/>
+        </p:spPr>
+        <p:txBody>
+          <a:bodyPr wrap="square" rtlCol="0">
+            <a:spAutoFit/>
+          </a:bodyPr>
+          <a:lstStyle/>
+          <a:p>
+            <a:pPr algn="ctr"/>
+            <a:r>
+              <a:rPr lang="pt-BR" sz="2400" b="1" i="1" u="sng" dirty="0"/>
+              <a:t>Capacidade Aquisição de Produtos</a:t>
+            </a:r>
+          </a:p>
+        </p:txBody>
+      </p:sp>
     </p:spTree>
     <p:extLst>
       <p:ext uri="{BB962C8B-B14F-4D97-AF65-F5344CB8AC3E}">
@@ -5454,6 +5490,433 @@
           </a:fontRef>
         </p:style>
       </p:cxnSp>
+      <p:sp>
+        <p:nvSpPr>
+          <p:cNvPr id="5" name="Retângulo 4">
+            <a:extLst>
+              <a:ext uri="{FF2B5EF4-FFF2-40B4-BE49-F238E27FC236}">
+                <a16:creationId xmlns:a16="http://schemas.microsoft.com/office/drawing/2014/main" id="{CA7880A0-D264-426F-A056-886D6D4E351A}"/>
+              </a:ext>
+            </a:extLst>
+          </p:cNvPr>
+          <p:cNvSpPr/>
+          <p:nvPr/>
+        </p:nvSpPr>
+        <p:spPr>
+          <a:xfrm>
+            <a:off x="1282362" y="3157352"/>
+            <a:ext cx="340261" cy="325625"/>
+          </a:xfrm>
+          <a:prstGeom prst="rect">
+            <a:avLst/>
+          </a:prstGeom>
+          <a:solidFill>
+            <a:schemeClr val="bg1"/>
+          </a:solidFill>
+          <a:ln>
+            <a:solidFill>
+              <a:schemeClr val="tx1"/>
+            </a:solidFill>
+          </a:ln>
+        </p:spPr>
+        <p:style>
+          <a:lnRef idx="2">
+            <a:schemeClr val="accent1">
+              <a:shade val="50000"/>
+            </a:schemeClr>
+          </a:lnRef>
+          <a:fillRef idx="1">
+            <a:schemeClr val="accent1"/>
+          </a:fillRef>
+          <a:effectRef idx="0">
+            <a:schemeClr val="accent1"/>
+          </a:effectRef>
+          <a:fontRef idx="minor">
+            <a:schemeClr val="lt1"/>
+          </a:fontRef>
+        </p:style>
+        <p:txBody>
+          <a:bodyPr rtlCol="0" anchor="ctr"/>
+          <a:lstStyle/>
+          <a:p>
+            <a:pPr algn="ctr"/>
+            <a:r>
+              <a:rPr lang="pt-BR" dirty="0">
+                <a:solidFill>
+                  <a:schemeClr val="tx1"/>
+                </a:solidFill>
+              </a:rPr>
+              <a:t>2</a:t>
+            </a:r>
+          </a:p>
+        </p:txBody>
+      </p:sp>
+      <p:sp>
+        <p:nvSpPr>
+          <p:cNvPr id="59" name="Retângulo 58">
+            <a:extLst>
+              <a:ext uri="{FF2B5EF4-FFF2-40B4-BE49-F238E27FC236}">
+                <a16:creationId xmlns:a16="http://schemas.microsoft.com/office/drawing/2014/main" id="{2D331F71-9494-4581-BACF-CE6474F04BF3}"/>
+              </a:ext>
+            </a:extLst>
+          </p:cNvPr>
+          <p:cNvSpPr/>
+          <p:nvPr/>
+        </p:nvSpPr>
+        <p:spPr>
+          <a:xfrm>
+            <a:off x="5521091" y="651545"/>
+            <a:ext cx="340261" cy="325625"/>
+          </a:xfrm>
+          <a:prstGeom prst="rect">
+            <a:avLst/>
+          </a:prstGeom>
+          <a:solidFill>
+            <a:schemeClr val="bg1"/>
+          </a:solidFill>
+          <a:ln>
+            <a:solidFill>
+              <a:schemeClr val="tx1"/>
+            </a:solidFill>
+          </a:ln>
+        </p:spPr>
+        <p:style>
+          <a:lnRef idx="2">
+            <a:schemeClr val="accent1">
+              <a:shade val="50000"/>
+            </a:schemeClr>
+          </a:lnRef>
+          <a:fillRef idx="1">
+            <a:schemeClr val="accent1"/>
+          </a:fillRef>
+          <a:effectRef idx="0">
+            <a:schemeClr val="accent1"/>
+          </a:effectRef>
+          <a:fontRef idx="minor">
+            <a:schemeClr val="lt1"/>
+          </a:fontRef>
+        </p:style>
+        <p:txBody>
+          <a:bodyPr rtlCol="0" anchor="ctr"/>
+          <a:lstStyle/>
+          <a:p>
+            <a:pPr algn="ctr"/>
+            <a:r>
+              <a:rPr lang="pt-BR" dirty="0">
+                <a:solidFill>
+                  <a:schemeClr val="tx1"/>
+                </a:solidFill>
+              </a:rPr>
+              <a:t>1</a:t>
+            </a:r>
+          </a:p>
+        </p:txBody>
+      </p:sp>
+      <p:sp>
+        <p:nvSpPr>
+          <p:cNvPr id="61" name="Retângulo 60">
+            <a:extLst>
+              <a:ext uri="{FF2B5EF4-FFF2-40B4-BE49-F238E27FC236}">
+                <a16:creationId xmlns:a16="http://schemas.microsoft.com/office/drawing/2014/main" id="{9E8EFF54-82D1-4313-950A-E28E3FE201FF}"/>
+              </a:ext>
+            </a:extLst>
+          </p:cNvPr>
+          <p:cNvSpPr/>
+          <p:nvPr/>
+        </p:nvSpPr>
+        <p:spPr>
+          <a:xfrm>
+            <a:off x="4187822" y="3029963"/>
+            <a:ext cx="340261" cy="325625"/>
+          </a:xfrm>
+          <a:prstGeom prst="rect">
+            <a:avLst/>
+          </a:prstGeom>
+          <a:solidFill>
+            <a:schemeClr val="bg1"/>
+          </a:solidFill>
+          <a:ln>
+            <a:solidFill>
+              <a:schemeClr val="tx1"/>
+            </a:solidFill>
+          </a:ln>
+        </p:spPr>
+        <p:style>
+          <a:lnRef idx="2">
+            <a:schemeClr val="accent1">
+              <a:shade val="50000"/>
+            </a:schemeClr>
+          </a:lnRef>
+          <a:fillRef idx="1">
+            <a:schemeClr val="accent1"/>
+          </a:fillRef>
+          <a:effectRef idx="0">
+            <a:schemeClr val="accent1"/>
+          </a:effectRef>
+          <a:fontRef idx="minor">
+            <a:schemeClr val="lt1"/>
+          </a:fontRef>
+        </p:style>
+        <p:txBody>
+          <a:bodyPr rtlCol="0" anchor="ctr"/>
+          <a:lstStyle/>
+          <a:p>
+            <a:pPr algn="ctr"/>
+            <a:r>
+              <a:rPr lang="pt-BR" dirty="0">
+                <a:solidFill>
+                  <a:schemeClr val="tx1"/>
+                </a:solidFill>
+              </a:rPr>
+              <a:t>3</a:t>
+            </a:r>
+          </a:p>
+        </p:txBody>
+      </p:sp>
+      <p:sp>
+        <p:nvSpPr>
+          <p:cNvPr id="63" name="Retângulo 62">
+            <a:extLst>
+              <a:ext uri="{FF2B5EF4-FFF2-40B4-BE49-F238E27FC236}">
+                <a16:creationId xmlns:a16="http://schemas.microsoft.com/office/drawing/2014/main" id="{CF2C3C85-03DA-4879-A7D3-A1EA16B3D397}"/>
+              </a:ext>
+            </a:extLst>
+          </p:cNvPr>
+          <p:cNvSpPr/>
+          <p:nvPr/>
+        </p:nvSpPr>
+        <p:spPr>
+          <a:xfrm>
+            <a:off x="8118629" y="3334564"/>
+            <a:ext cx="340261" cy="325625"/>
+          </a:xfrm>
+          <a:prstGeom prst="rect">
+            <a:avLst/>
+          </a:prstGeom>
+          <a:solidFill>
+            <a:schemeClr val="bg1"/>
+          </a:solidFill>
+          <a:ln>
+            <a:solidFill>
+              <a:schemeClr val="tx1"/>
+            </a:solidFill>
+          </a:ln>
+        </p:spPr>
+        <p:style>
+          <a:lnRef idx="2">
+            <a:schemeClr val="accent1">
+              <a:shade val="50000"/>
+            </a:schemeClr>
+          </a:lnRef>
+          <a:fillRef idx="1">
+            <a:schemeClr val="accent1"/>
+          </a:fillRef>
+          <a:effectRef idx="0">
+            <a:schemeClr val="accent1"/>
+          </a:effectRef>
+          <a:fontRef idx="minor">
+            <a:schemeClr val="lt1"/>
+          </a:fontRef>
+        </p:style>
+        <p:txBody>
+          <a:bodyPr rtlCol="0" anchor="ctr"/>
+          <a:lstStyle/>
+          <a:p>
+            <a:pPr algn="ctr"/>
+            <a:r>
+              <a:rPr lang="pt-BR" dirty="0">
+                <a:solidFill>
+                  <a:schemeClr val="tx1"/>
+                </a:solidFill>
+              </a:rPr>
+              <a:t>5</a:t>
+            </a:r>
+          </a:p>
+        </p:txBody>
+      </p:sp>
+      <p:sp>
+        <p:nvSpPr>
+          <p:cNvPr id="64" name="Retângulo 63">
+            <a:extLst>
+              <a:ext uri="{FF2B5EF4-FFF2-40B4-BE49-F238E27FC236}">
+                <a16:creationId xmlns:a16="http://schemas.microsoft.com/office/drawing/2014/main" id="{0B92DA2D-AF04-4CD4-B44E-E7223206D360}"/>
+              </a:ext>
+            </a:extLst>
+          </p:cNvPr>
+          <p:cNvSpPr/>
+          <p:nvPr/>
+        </p:nvSpPr>
+        <p:spPr>
+          <a:xfrm>
+            <a:off x="11019703" y="3164824"/>
+            <a:ext cx="340261" cy="325625"/>
+          </a:xfrm>
+          <a:prstGeom prst="rect">
+            <a:avLst/>
+          </a:prstGeom>
+          <a:solidFill>
+            <a:schemeClr val="bg1"/>
+          </a:solidFill>
+          <a:ln>
+            <a:solidFill>
+              <a:schemeClr val="tx1"/>
+            </a:solidFill>
+          </a:ln>
+        </p:spPr>
+        <p:style>
+          <a:lnRef idx="2">
+            <a:schemeClr val="accent1">
+              <a:shade val="50000"/>
+            </a:schemeClr>
+          </a:lnRef>
+          <a:fillRef idx="1">
+            <a:schemeClr val="accent1"/>
+          </a:fillRef>
+          <a:effectRef idx="0">
+            <a:schemeClr val="accent1"/>
+          </a:effectRef>
+          <a:fontRef idx="minor">
+            <a:schemeClr val="lt1"/>
+          </a:fontRef>
+        </p:style>
+        <p:txBody>
+          <a:bodyPr rtlCol="0" anchor="ctr"/>
+          <a:lstStyle/>
+          <a:p>
+            <a:pPr algn="ctr"/>
+            <a:r>
+              <a:rPr lang="pt-BR" dirty="0">
+                <a:solidFill>
+                  <a:schemeClr val="tx1"/>
+                </a:solidFill>
+              </a:rPr>
+              <a:t>7</a:t>
+            </a:r>
+          </a:p>
+        </p:txBody>
+      </p:sp>
+      <p:sp>
+        <p:nvSpPr>
+          <p:cNvPr id="65" name="Retângulo 64">
+            <a:extLst>
+              <a:ext uri="{FF2B5EF4-FFF2-40B4-BE49-F238E27FC236}">
+                <a16:creationId xmlns:a16="http://schemas.microsoft.com/office/drawing/2014/main" id="{0B549762-8BFE-4E1B-97DB-AA900B0253BB}"/>
+              </a:ext>
+            </a:extLst>
+          </p:cNvPr>
+          <p:cNvSpPr/>
+          <p:nvPr/>
+        </p:nvSpPr>
+        <p:spPr>
+          <a:xfrm>
+            <a:off x="10775178" y="1901536"/>
+            <a:ext cx="340261" cy="325625"/>
+          </a:xfrm>
+          <a:prstGeom prst="rect">
+            <a:avLst/>
+          </a:prstGeom>
+          <a:solidFill>
+            <a:schemeClr val="bg1"/>
+          </a:solidFill>
+          <a:ln>
+            <a:solidFill>
+              <a:schemeClr val="tx1"/>
+            </a:solidFill>
+          </a:ln>
+        </p:spPr>
+        <p:style>
+          <a:lnRef idx="2">
+            <a:schemeClr val="accent1">
+              <a:shade val="50000"/>
+            </a:schemeClr>
+          </a:lnRef>
+          <a:fillRef idx="1">
+            <a:schemeClr val="accent1"/>
+          </a:fillRef>
+          <a:effectRef idx="0">
+            <a:schemeClr val="accent1"/>
+          </a:effectRef>
+          <a:fontRef idx="minor">
+            <a:schemeClr val="lt1"/>
+          </a:fontRef>
+        </p:style>
+        <p:txBody>
+          <a:bodyPr rtlCol="0" anchor="ctr"/>
+          <a:lstStyle/>
+          <a:p>
+            <a:pPr algn="ctr"/>
+            <a:r>
+              <a:rPr lang="pt-BR" dirty="0">
+                <a:solidFill>
+                  <a:schemeClr val="tx1"/>
+                </a:solidFill>
+              </a:rPr>
+              <a:t>4</a:t>
+            </a:r>
+          </a:p>
+        </p:txBody>
+      </p:sp>
+      <p:sp>
+        <p:nvSpPr>
+          <p:cNvPr id="66" name="Retângulo 65">
+            <a:extLst>
+              <a:ext uri="{FF2B5EF4-FFF2-40B4-BE49-F238E27FC236}">
+                <a16:creationId xmlns:a16="http://schemas.microsoft.com/office/drawing/2014/main" id="{3C669733-1295-4F95-8EE2-8C05E7E8C996}"/>
+              </a:ext>
+            </a:extLst>
+          </p:cNvPr>
+          <p:cNvSpPr/>
+          <p:nvPr/>
+        </p:nvSpPr>
+        <p:spPr>
+          <a:xfrm>
+            <a:off x="1766472" y="5254554"/>
+            <a:ext cx="340261" cy="325625"/>
+          </a:xfrm>
+          <a:prstGeom prst="rect">
+            <a:avLst/>
+          </a:prstGeom>
+          <a:solidFill>
+            <a:schemeClr val="bg1"/>
+          </a:solidFill>
+          <a:ln>
+            <a:solidFill>
+              <a:schemeClr val="tx1"/>
+            </a:solidFill>
+          </a:ln>
+        </p:spPr>
+        <p:style>
+          <a:lnRef idx="2">
+            <a:schemeClr val="accent1">
+              <a:shade val="50000"/>
+            </a:schemeClr>
+          </a:lnRef>
+          <a:fillRef idx="1">
+            <a:schemeClr val="accent1"/>
+          </a:fillRef>
+          <a:effectRef idx="0">
+            <a:schemeClr val="accent1"/>
+          </a:effectRef>
+          <a:fontRef idx="minor">
+            <a:schemeClr val="lt1"/>
+          </a:fontRef>
+        </p:style>
+        <p:txBody>
+          <a:bodyPr rtlCol="0" anchor="ctr"/>
+          <a:lstStyle/>
+          <a:p>
+            <a:pPr algn="ctr"/>
+            <a:r>
+              <a:rPr lang="pt-BR" dirty="0">
+                <a:solidFill>
+                  <a:schemeClr val="tx1"/>
+                </a:solidFill>
+              </a:rPr>
+              <a:t>6</a:t>
+            </a:r>
+          </a:p>
+        </p:txBody>
+      </p:sp>
     </p:spTree>
     <p:extLst>
       <p:ext uri="{BB962C8B-B14F-4D97-AF65-F5344CB8AC3E}">
@@ -5527,6 +5990,250 @@
           </a:prstGeom>
         </p:spPr>
       </p:pic>
+      <p:sp>
+        <p:nvSpPr>
+          <p:cNvPr id="3" name="Retângulo 2">
+            <a:extLst>
+              <a:ext uri="{FF2B5EF4-FFF2-40B4-BE49-F238E27FC236}">
+                <a16:creationId xmlns:a16="http://schemas.microsoft.com/office/drawing/2014/main" id="{24640827-F765-40EF-AD23-FF9AB288DDEB}"/>
+              </a:ext>
+            </a:extLst>
+          </p:cNvPr>
+          <p:cNvSpPr/>
+          <p:nvPr/>
+        </p:nvSpPr>
+        <p:spPr>
+          <a:xfrm>
+            <a:off x="8213957" y="819325"/>
+            <a:ext cx="340261" cy="325625"/>
+          </a:xfrm>
+          <a:prstGeom prst="rect">
+            <a:avLst/>
+          </a:prstGeom>
+          <a:solidFill>
+            <a:schemeClr val="bg1"/>
+          </a:solidFill>
+          <a:ln>
+            <a:solidFill>
+              <a:schemeClr val="tx1"/>
+            </a:solidFill>
+          </a:ln>
+        </p:spPr>
+        <p:style>
+          <a:lnRef idx="2">
+            <a:schemeClr val="accent1">
+              <a:shade val="50000"/>
+            </a:schemeClr>
+          </a:lnRef>
+          <a:fillRef idx="1">
+            <a:schemeClr val="accent1"/>
+          </a:fillRef>
+          <a:effectRef idx="0">
+            <a:schemeClr val="accent1"/>
+          </a:effectRef>
+          <a:fontRef idx="minor">
+            <a:schemeClr val="lt1"/>
+          </a:fontRef>
+        </p:style>
+        <p:txBody>
+          <a:bodyPr rtlCol="0" anchor="ctr"/>
+          <a:lstStyle/>
+          <a:p>
+            <a:pPr algn="ctr"/>
+            <a:r>
+              <a:rPr lang="pt-BR" dirty="0">
+                <a:solidFill>
+                  <a:schemeClr val="tx1"/>
+                </a:solidFill>
+              </a:rPr>
+              <a:t>1</a:t>
+            </a:r>
+          </a:p>
+        </p:txBody>
+      </p:sp>
+      <p:sp>
+        <p:nvSpPr>
+          <p:cNvPr id="4" name="Retângulo 3">
+            <a:extLst>
+              <a:ext uri="{FF2B5EF4-FFF2-40B4-BE49-F238E27FC236}">
+                <a16:creationId xmlns:a16="http://schemas.microsoft.com/office/drawing/2014/main" id="{6B6E5079-7B55-4734-89E5-A71C473D6C1D}"/>
+              </a:ext>
+            </a:extLst>
+          </p:cNvPr>
+          <p:cNvSpPr/>
+          <p:nvPr/>
+        </p:nvSpPr>
+        <p:spPr>
+          <a:xfrm>
+            <a:off x="5233577" y="2805015"/>
+            <a:ext cx="340261" cy="325625"/>
+          </a:xfrm>
+          <a:prstGeom prst="rect">
+            <a:avLst/>
+          </a:prstGeom>
+          <a:solidFill>
+            <a:schemeClr val="bg1"/>
+          </a:solidFill>
+          <a:ln>
+            <a:solidFill>
+              <a:schemeClr val="tx1"/>
+            </a:solidFill>
+          </a:ln>
+        </p:spPr>
+        <p:style>
+          <a:lnRef idx="2">
+            <a:schemeClr val="accent1">
+              <a:shade val="50000"/>
+            </a:schemeClr>
+          </a:lnRef>
+          <a:fillRef idx="1">
+            <a:schemeClr val="accent1"/>
+          </a:fillRef>
+          <a:effectRef idx="0">
+            <a:schemeClr val="accent1"/>
+          </a:effectRef>
+          <a:fontRef idx="minor">
+            <a:schemeClr val="lt1"/>
+          </a:fontRef>
+        </p:style>
+        <p:txBody>
+          <a:bodyPr rtlCol="0" anchor="ctr"/>
+          <a:lstStyle/>
+          <a:p>
+            <a:pPr algn="ctr"/>
+            <a:r>
+              <a:rPr lang="pt-BR" dirty="0">
+                <a:solidFill>
+                  <a:schemeClr val="tx1"/>
+                </a:solidFill>
+              </a:rPr>
+              <a:t>2</a:t>
+            </a:r>
+          </a:p>
+        </p:txBody>
+      </p:sp>
+      <p:sp>
+        <p:nvSpPr>
+          <p:cNvPr id="6" name="Retângulo 5">
+            <a:extLst>
+              <a:ext uri="{FF2B5EF4-FFF2-40B4-BE49-F238E27FC236}">
+                <a16:creationId xmlns:a16="http://schemas.microsoft.com/office/drawing/2014/main" id="{85247049-E6E2-470C-BA25-E81411201180}"/>
+              </a:ext>
+            </a:extLst>
+          </p:cNvPr>
+          <p:cNvSpPr/>
+          <p:nvPr/>
+        </p:nvSpPr>
+        <p:spPr>
+          <a:xfrm>
+            <a:off x="5696369" y="5465723"/>
+            <a:ext cx="340261" cy="325625"/>
+          </a:xfrm>
+          <a:prstGeom prst="rect">
+            <a:avLst/>
+          </a:prstGeom>
+          <a:solidFill>
+            <a:schemeClr val="bg1"/>
+          </a:solidFill>
+          <a:ln>
+            <a:solidFill>
+              <a:schemeClr val="tx1"/>
+            </a:solidFill>
+          </a:ln>
+        </p:spPr>
+        <p:style>
+          <a:lnRef idx="2">
+            <a:schemeClr val="accent1">
+              <a:shade val="50000"/>
+            </a:schemeClr>
+          </a:lnRef>
+          <a:fillRef idx="1">
+            <a:schemeClr val="accent1"/>
+          </a:fillRef>
+          <a:effectRef idx="0">
+            <a:schemeClr val="accent1"/>
+          </a:effectRef>
+          <a:fontRef idx="minor">
+            <a:schemeClr val="lt1"/>
+          </a:fontRef>
+        </p:style>
+        <p:txBody>
+          <a:bodyPr rtlCol="0" anchor="ctr"/>
+          <a:lstStyle/>
+          <a:p>
+            <a:pPr algn="ctr"/>
+            <a:r>
+              <a:rPr lang="pt-BR" dirty="0">
+                <a:solidFill>
+                  <a:schemeClr val="tx1"/>
+                </a:solidFill>
+              </a:rPr>
+              <a:t>3</a:t>
+            </a:r>
+          </a:p>
+        </p:txBody>
+      </p:sp>
+      <p:sp>
+        <p:nvSpPr>
+          <p:cNvPr id="7" name="Retângulo 6">
+            <a:extLst>
+              <a:ext uri="{FF2B5EF4-FFF2-40B4-BE49-F238E27FC236}">
+                <a16:creationId xmlns:a16="http://schemas.microsoft.com/office/drawing/2014/main" id="{6E9AAAEE-0C8F-42FD-91BB-0CCD65419E1A}"/>
+              </a:ext>
+            </a:extLst>
+          </p:cNvPr>
+          <p:cNvSpPr/>
+          <p:nvPr/>
+        </p:nvSpPr>
+        <p:spPr>
+          <a:xfrm>
+            <a:off x="1947889" y="3429000"/>
+            <a:ext cx="340261" cy="325625"/>
+          </a:xfrm>
+          <a:prstGeom prst="rect">
+            <a:avLst/>
+          </a:prstGeom>
+          <a:solidFill>
+            <a:schemeClr val="bg1"/>
+          </a:solidFill>
+          <a:ln>
+            <a:solidFill>
+              <a:schemeClr val="tx1"/>
+            </a:solidFill>
+          </a:ln>
+        </p:spPr>
+        <p:style>
+          <a:lnRef idx="2">
+            <a:schemeClr val="accent1">
+              <a:shade val="50000"/>
+            </a:schemeClr>
+          </a:lnRef>
+          <a:fillRef idx="1">
+            <a:schemeClr val="accent1"/>
+          </a:fillRef>
+          <a:effectRef idx="0">
+            <a:schemeClr val="accent1"/>
+          </a:effectRef>
+          <a:fontRef idx="minor">
+            <a:schemeClr val="lt1"/>
+          </a:fontRef>
+        </p:style>
+        <p:txBody>
+          <a:bodyPr rtlCol="0" anchor="ctr"/>
+          <a:lstStyle/>
+          <a:p>
+            <a:pPr algn="ctr"/>
+            <a:r>
+              <a:rPr lang="pt-BR" dirty="0">
+                <a:solidFill>
+                  <a:schemeClr val="tx1"/>
+                </a:solidFill>
+              </a:rPr>
+              <a:t>4</a:t>
+            </a:r>
+          </a:p>
+        </p:txBody>
+      </p:sp>
     </p:spTree>
     <p:extLst>
       <p:ext uri="{BB962C8B-B14F-4D97-AF65-F5344CB8AC3E}">
@@ -5579,7 +6286,7 @@
           </p:cNvPicPr>
           <p:nvPr/>
         </p:nvPicPr>
-        <p:blipFill>
+        <p:blipFill rotWithShape="1">
           <a:blip r:embed="rId2">
             <a:extLst>
               <a:ext uri="{28A0092B-C50C-407E-A947-70E740481C1C}">
@@ -5587,20 +6294,59 @@
               </a:ext>
             </a:extLst>
           </a:blip>
-          <a:stretch>
-            <a:fillRect/>
-          </a:stretch>
+          <a:srcRect t="10926"/>
+          <a:stretch/>
         </p:blipFill>
         <p:spPr>
           <a:xfrm>
-            <a:off x="0" y="0"/>
-            <a:ext cx="12192000" cy="6756400"/>
+            <a:off x="0" y="738230"/>
+            <a:ext cx="12192000" cy="6018169"/>
           </a:xfrm>
           <a:prstGeom prst="rect">
             <a:avLst/>
           </a:prstGeom>
         </p:spPr>
       </p:pic>
+      <p:sp>
+        <p:nvSpPr>
+          <p:cNvPr id="3" name="CaixaDeTexto 2">
+            <a:extLst>
+              <a:ext uri="{FF2B5EF4-FFF2-40B4-BE49-F238E27FC236}">
+                <a16:creationId xmlns:a16="http://schemas.microsoft.com/office/drawing/2014/main" id="{E906A951-7DC4-419F-BCF0-FD00BAEE9DC8}"/>
+              </a:ext>
+            </a:extLst>
+          </p:cNvPr>
+          <p:cNvSpPr txBox="1"/>
+          <p:nvPr/>
+        </p:nvSpPr>
+        <p:spPr>
+          <a:xfrm>
+            <a:off x="0" y="96816"/>
+            <a:ext cx="12192000" cy="830997"/>
+          </a:xfrm>
+          <a:prstGeom prst="rect">
+            <a:avLst/>
+          </a:prstGeom>
+          <a:noFill/>
+        </p:spPr>
+        <p:txBody>
+          <a:bodyPr wrap="square" rtlCol="0">
+            <a:spAutoFit/>
+          </a:bodyPr>
+          <a:lstStyle/>
+          <a:p>
+            <a:pPr algn="ctr"/>
+            <a:r>
+              <a:rPr lang="pt-BR" sz="2400" b="1" i="1" u="sng" dirty="0"/>
+              <a:t>Capacidade Pagar Funcionários</a:t>
+            </a:r>
+          </a:p>
+          <a:p>
+            <a:pPr algn="ctr"/>
+            <a:endParaRPr lang="pt-BR" sz="2400" b="1" i="1" u="sng" dirty="0"/>
+          </a:p>
+        </p:txBody>
+      </p:sp>
     </p:spTree>
     <p:extLst>
       <p:ext uri="{BB962C8B-B14F-4D97-AF65-F5344CB8AC3E}">
